--- a/03 - Delay effects/C - Flanger/flanging2.pptx
+++ b/03 - Delay effects/C - Flanger/flanging2.pptx
@@ -27270,7 +27270,7 @@
           <p:nvPr/>
         </p:nvPicPr>
         <p:blipFill>
-          <a:blip r:embed="rId4" cstate="print"/>
+          <a:blip r:embed="rId3" cstate="print"/>
           <a:srcRect/>
           <a:stretch>
             <a:fillRect/>
@@ -30265,7 +30265,7 @@
             <a:pPr marL="1143000" lvl="1"/>
             <a:r>
               <a:rPr lang="en-US" sz="3200" dirty="0"/>
-              <a:t>Cubic interpolation</a:t>
+              <a:t>Quadratic interpolation</a:t>
             </a:r>
           </a:p>
           <a:p>
@@ -30274,8 +30274,13 @@
             </a:pPr>
             <a:r>
               <a:rPr lang="en-US" sz="2800" dirty="0"/>
-              <a:t>Better, but computationally expensive</a:t>
-            </a:r>
+              <a:t>Better, but </a:t>
+            </a:r>
+            <a:r>
+              <a:rPr lang="en-US" sz="2800"/>
+              <a:t>more computation</a:t>
+            </a:r>
+            <a:endParaRPr lang="en-US" sz="2800" dirty="0"/>
           </a:p>
         </p:txBody>
       </p:sp>
